--- a/Dražen Đanić - Soft kompjuting.pptx
+++ b/Dražen Đanić - Soft kompjuting.pptx
@@ -117,7 +117,7 @@
   </p:defaultTextStyle>
   <p:extLst>
     <p:ext uri="{EFAFB233-063F-42B5-8137-9DF3F51BA10A}">
-      <p15:sldGuideLst xmlns:p15="http://schemas.microsoft.com/office/powerpoint/2012/main" xmlns=""/>
+      <p15:sldGuideLst xmlns="" xmlns:p15="http://schemas.microsoft.com/office/powerpoint/2012/main"/>
     </p:ext>
   </p:extLst>
 </p:presentation>
@@ -205,7 +205,7 @@
           <a:p>
             <a:fld id="{54431289-2CD2-4BBE-81D3-FBFCDA04DFD1}" type="datetimeFigureOut">
               <a:rPr lang="sr-Latn-RS"/>
-              <a:t>17.12.2015.</a:t>
+              <a:t>18.12.2015.</a:t>
             </a:fld>
             <a:endParaRPr lang="sr-Latn-RS"/>
           </a:p>
@@ -1279,7 +1279,7 @@
             <a:fld id="{B61BEF0D-F0BB-DE4B-95CE-6DB70DBA9567}" type="datetimeFigureOut">
               <a:rPr lang="en-US" dirty="0"/>
               <a:pPr/>
-              <a:t>12/17/2015</a:t>
+              <a:t>12/18/2015</a:t>
             </a:fld>
             <a:endParaRPr lang="en-US" dirty="0"/>
           </a:p>
@@ -1527,7 +1527,7 @@
             <a:fld id="{B61BEF0D-F0BB-DE4B-95CE-6DB70DBA9567}" type="datetimeFigureOut">
               <a:rPr lang="en-US" dirty="0"/>
               <a:pPr/>
-              <a:t>12/17/2015</a:t>
+              <a:t>12/18/2015</a:t>
             </a:fld>
             <a:endParaRPr lang="en-US" dirty="0"/>
           </a:p>
@@ -1838,7 +1838,7 @@
             <a:fld id="{B61BEF0D-F0BB-DE4B-95CE-6DB70DBA9567}" type="datetimeFigureOut">
               <a:rPr lang="en-US" dirty="0"/>
               <a:pPr/>
-              <a:t>12/17/2015</a:t>
+              <a:t>12/18/2015</a:t>
             </a:fld>
             <a:endParaRPr lang="en-US" dirty="0"/>
           </a:p>
@@ -2176,7 +2176,7 @@
             <a:fld id="{B61BEF0D-F0BB-DE4B-95CE-6DB70DBA9567}" type="datetimeFigureOut">
               <a:rPr lang="en-US" dirty="0"/>
               <a:pPr/>
-              <a:t>12/17/2015</a:t>
+              <a:t>12/18/2015</a:t>
             </a:fld>
             <a:endParaRPr lang="en-US" dirty="0"/>
           </a:p>
@@ -2487,7 +2487,7 @@
             <a:fld id="{B61BEF0D-F0BB-DE4B-95CE-6DB70DBA9567}" type="datetimeFigureOut">
               <a:rPr lang="en-US" dirty="0"/>
               <a:pPr/>
-              <a:t>12/17/2015</a:t>
+              <a:t>12/18/2015</a:t>
             </a:fld>
             <a:endParaRPr lang="en-US" dirty="0"/>
           </a:p>
@@ -2877,7 +2877,7 @@
             <a:fld id="{B61BEF0D-F0BB-DE4B-95CE-6DB70DBA9567}" type="datetimeFigureOut">
               <a:rPr lang="en-US" dirty="0"/>
               <a:pPr/>
-              <a:t>12/17/2015</a:t>
+              <a:t>12/18/2015</a:t>
             </a:fld>
             <a:endParaRPr lang="en-US" dirty="0"/>
           </a:p>
@@ -3043,7 +3043,7 @@
           <a:p>
             <a:fld id="{55C6B4A9-1611-4792-9094-5F34BCA07E0B}" type="datetimeFigureOut">
               <a:rPr lang="en-US" dirty="0"/>
-              <a:t>12/17/2015</a:t>
+              <a:t>12/18/2015</a:t>
             </a:fld>
             <a:endParaRPr lang="en-US" dirty="0"/>
           </a:p>
@@ -3219,7 +3219,7 @@
             <a:fld id="{B61BEF0D-F0BB-DE4B-95CE-6DB70DBA9567}" type="datetimeFigureOut">
               <a:rPr lang="en-US" dirty="0"/>
               <a:pPr/>
-              <a:t>12/17/2015</a:t>
+              <a:t>12/18/2015</a:t>
             </a:fld>
             <a:endParaRPr lang="en-US" dirty="0"/>
           </a:p>
@@ -3392,7 +3392,7 @@
             <a:fld id="{B61BEF0D-F0BB-DE4B-95CE-6DB70DBA9567}" type="datetimeFigureOut">
               <a:rPr lang="en-US" dirty="0"/>
               <a:pPr/>
-              <a:t>12/17/2015</a:t>
+              <a:t>12/18/2015</a:t>
             </a:fld>
             <a:endParaRPr lang="en-US" dirty="0"/>
           </a:p>
@@ -3636,7 +3636,7 @@
             <a:fld id="{B61BEF0D-F0BB-DE4B-95CE-6DB70DBA9567}" type="datetimeFigureOut">
               <a:rPr lang="en-US" dirty="0"/>
               <a:pPr/>
-              <a:t>12/17/2015</a:t>
+              <a:t>12/18/2015</a:t>
             </a:fld>
             <a:endParaRPr lang="en-US" dirty="0"/>
           </a:p>
@@ -3864,7 +3864,7 @@
           <a:p>
             <a:fld id="{EB712588-04B1-427B-82EE-E8DB90309F08}" type="datetimeFigureOut">
               <a:rPr lang="en-US" dirty="0"/>
-              <a:t>12/17/2015</a:t>
+              <a:t>12/18/2015</a:t>
             </a:fld>
             <a:endParaRPr lang="en-US" dirty="0"/>
           </a:p>
@@ -4234,7 +4234,7 @@
             <a:fld id="{B61BEF0D-F0BB-DE4B-95CE-6DB70DBA9567}" type="datetimeFigureOut">
               <a:rPr lang="en-US" dirty="0"/>
               <a:pPr/>
-              <a:t>12/17/2015</a:t>
+              <a:t>12/18/2015</a:t>
             </a:fld>
             <a:endParaRPr lang="en-US" dirty="0"/>
           </a:p>
@@ -4354,7 +4354,7 @@
             <a:fld id="{B61BEF0D-F0BB-DE4B-95CE-6DB70DBA9567}" type="datetimeFigureOut">
               <a:rPr lang="en-US" dirty="0"/>
               <a:pPr/>
-              <a:t>12/17/2015</a:t>
+              <a:t>12/18/2015</a:t>
             </a:fld>
             <a:endParaRPr lang="en-US" dirty="0"/>
           </a:p>
@@ -4446,7 +4446,7 @@
             <a:fld id="{B61BEF0D-F0BB-DE4B-95CE-6DB70DBA9567}" type="datetimeFigureOut">
               <a:rPr lang="en-US" dirty="0"/>
               <a:pPr/>
-              <a:t>12/17/2015</a:t>
+              <a:t>12/18/2015</a:t>
             </a:fld>
             <a:endParaRPr lang="en-US" dirty="0"/>
           </a:p>
@@ -4697,7 +4697,7 @@
           <a:p>
             <a:fld id="{42A54C80-263E-416B-A8E0-580EDEADCBDC}" type="datetimeFigureOut">
               <a:rPr lang="en-US" dirty="0"/>
-              <a:t>12/17/2015</a:t>
+              <a:t>12/18/2015</a:t>
             </a:fld>
             <a:endParaRPr lang="en-US" dirty="0"/>
           </a:p>
@@ -4956,7 +4956,7 @@
             <a:fld id="{B61BEF0D-F0BB-DE4B-95CE-6DB70DBA9567}" type="datetimeFigureOut">
               <a:rPr lang="en-US" dirty="0"/>
               <a:pPr/>
-              <a:t>12/17/2015</a:t>
+              <a:t>12/18/2015</a:t>
             </a:fld>
             <a:endParaRPr lang="en-US" dirty="0"/>
           </a:p>
@@ -5696,7 +5696,7 @@
             <a:fld id="{B61BEF0D-F0BB-DE4B-95CE-6DB70DBA9567}" type="datetimeFigureOut">
               <a:rPr lang="en-US" dirty="0"/>
               <a:pPr/>
-              <a:t>12/17/2015</a:t>
+              <a:t>12/18/2015</a:t>
             </a:fld>
             <a:endParaRPr lang="en-US" dirty="0"/>
           </a:p>
@@ -7236,7 +7236,15 @@
           <a:p>
             <a:r>
               <a:rPr lang="sr-Latn-RS" dirty="0"/>
-              <a:t>Drugi način implementacije je upotrebom HOF (Histograms of Oriented </a:t>
+              <a:t>Drugi način implementacije je upotrebom </a:t>
+            </a:r>
+            <a:r>
+              <a:rPr lang="sr-Latn-RS" dirty="0" smtClean="0"/>
+              <a:t>HOG </a:t>
+            </a:r>
+            <a:r>
+              <a:rPr lang="sr-Latn-RS" dirty="0"/>
+              <a:t>(Histograms of Oriented </a:t>
             </a:r>
             <a:r>
               <a:rPr lang="sr-Latn-RS" dirty="0" smtClean="0"/>
@@ -7703,7 +7711,7 @@
   <a:extraClrSchemeLst/>
   <a:extLst>
     <a:ext uri="{05A4C25C-085E-4340-85A3-A5531E510DB2}">
-      <thm15:themeFamily xmlns:thm15="http://schemas.microsoft.com/office/thememl/2012/main" xmlns="" name="Facet" id="{C0C680CD-088A-49FC-A102-D699147F32B2}" vid="{CFBC31BA-B70F-4F30-BCAA-4F3011E16C4D}"/>
+      <thm15:themeFamily xmlns="" xmlns:thm15="http://schemas.microsoft.com/office/thememl/2012/main" name="Facet" id="{C0C680CD-088A-49FC-A102-D699147F32B2}" vid="{CFBC31BA-B70F-4F30-BCAA-4F3011E16C4D}"/>
     </a:ext>
   </a:extLst>
 </a:theme>
@@ -7964,7 +7972,7 @@
   <a:extraClrSchemeLst/>
   <a:extLst>
     <a:ext uri="{05A4C25C-085E-4340-85A3-A5531E510DB2}">
-      <thm15:themeFamily xmlns:thm15="http://schemas.microsoft.com/office/thememl/2012/main" xmlns="" name="Office Theme" id="{62F939B6-93AF-4DB8-9C6B-D6C7DFDC589F}" vid="{4A3C46E8-61CC-4603-A589-7422A47A8E4A}"/>
+      <thm15:themeFamily xmlns="" xmlns:thm15="http://schemas.microsoft.com/office/thememl/2012/main" name="Office Theme" id="{62F939B6-93AF-4DB8-9C6B-D6C7DFDC589F}" vid="{4A3C46E8-61CC-4603-A589-7422A47A8E4A}"/>
     </a:ext>
   </a:extLst>
 </a:theme>
